--- a/trunk/Dependency Inversion - Chelyabinsk 07.11.2008/Презентация/Dependency Inversion.pptx
+++ b/trunk/Dependency Inversion - Chelyabinsk 07.11.2008/Презентация/Dependency Inversion.pptx
@@ -214,7 +214,7 @@
             <a:fld id="{C372E589-D38C-4792-A17F-125DA0035676}" type="datetimeFigureOut">
               <a:rPr lang="en-US" smtClean="0"/>
               <a:pPr/>
-              <a:t>11/5/2008</a:t>
+              <a:t>11/7/2008</a:t>
             </a:fld>
             <a:endParaRPr lang="en-US"/>
           </a:p>
@@ -376,7 +376,7 @@
             <a:fld id="{BA2A12BE-2FA6-4B4D-AB52-2BA29499A80A}" type="datetimeFigureOut">
               <a:rPr lang="en-US" smtClean="0"/>
               <a:pPr/>
-              <a:t>11/5/2008</a:t>
+              <a:t>11/7/2008</a:t>
             </a:fld>
             <a:endParaRPr lang="en-US"/>
           </a:p>
@@ -788,13 +788,8 @@
           <a:p>
             <a:r>
               <a:rPr lang="ru-RU" baseline="0" dirty="0" smtClean="0"/>
-              <a:t>2. Для тех кто остановился на </a:t>
-            </a:r>
-            <a:r>
-              <a:rPr lang="ru-RU" baseline="0" dirty="0" smtClean="0"/>
-              <a:t>определении =)</a:t>
-            </a:r>
-            <a:endParaRPr lang="ru-RU" baseline="0" dirty="0" smtClean="0"/>
+              <a:t>2. Для тех кто остановился на определении =)</a:t>
+            </a:r>
           </a:p>
           <a:p>
             <a:r>
@@ -925,11 +920,7 @@
           <a:p>
             <a:r>
               <a:rPr lang="ru-RU" baseline="0" dirty="0" smtClean="0"/>
-              <a:t>Как поступить правильно</a:t>
-            </a:r>
-            <a:r>
-              <a:rPr lang="ru-RU" baseline="0" dirty="0" smtClean="0"/>
-              <a:t>?</a:t>
+              <a:t>Как поступить правильно?</a:t>
             </a:r>
           </a:p>
           <a:p>
@@ -1396,7 +1387,7 @@
             <a:fld id="{27614144-4746-4333-8784-E53BDB877400}" type="datetimeFigureOut">
               <a:rPr lang="en-US" smtClean="0"/>
               <a:pPr/>
-              <a:t>11/5/2008</a:t>
+              <a:t>11/7/2008</a:t>
             </a:fld>
             <a:endParaRPr lang="en-US"/>
           </a:p>
@@ -2267,7 +2258,7 @@
             <a:fld id="{27614144-4746-4333-8784-E53BDB877400}" type="datetimeFigureOut">
               <a:rPr lang="en-US" smtClean="0"/>
               <a:pPr/>
-              <a:t>11/5/2008</a:t>
+              <a:t>11/7/2008</a:t>
             </a:fld>
             <a:endParaRPr lang="en-US"/>
           </a:p>
@@ -2444,7 +2435,7 @@
             <a:fld id="{27614144-4746-4333-8784-E53BDB877400}" type="datetimeFigureOut">
               <a:rPr lang="en-US" smtClean="0"/>
               <a:pPr/>
-              <a:t>11/5/2008</a:t>
+              <a:t>11/7/2008</a:t>
             </a:fld>
             <a:endParaRPr lang="en-US"/>
           </a:p>
@@ -2616,7 +2607,7 @@
             <a:fld id="{27614144-4746-4333-8784-E53BDB877400}" type="datetimeFigureOut">
               <a:rPr lang="en-US" smtClean="0"/>
               <a:pPr/>
-              <a:t>11/5/2008</a:t>
+              <a:t>11/7/2008</a:t>
             </a:fld>
             <a:endParaRPr lang="en-US"/>
           </a:p>
@@ -2828,7 +2819,7 @@
             <a:fld id="{27614144-4746-4333-8784-E53BDB877400}" type="datetimeFigureOut">
               <a:rPr lang="en-US" smtClean="0"/>
               <a:pPr/>
-              <a:t>11/5/2008</a:t>
+              <a:t>11/7/2008</a:t>
             </a:fld>
             <a:endParaRPr lang="en-US"/>
           </a:p>
@@ -3644,7 +3635,7 @@
             <a:fld id="{27614144-4746-4333-8784-E53BDB877400}" type="datetimeFigureOut">
               <a:rPr lang="en-US" smtClean="0"/>
               <a:pPr/>
-              <a:t>11/5/2008</a:t>
+              <a:t>11/7/2008</a:t>
             </a:fld>
             <a:endParaRPr lang="en-US"/>
           </a:p>
@@ -3882,7 +3873,7 @@
             <a:fld id="{27614144-4746-4333-8784-E53BDB877400}" type="datetimeFigureOut">
               <a:rPr lang="en-US" smtClean="0"/>
               <a:pPr/>
-              <a:t>11/5/2008</a:t>
+              <a:t>11/7/2008</a:t>
             </a:fld>
             <a:endParaRPr lang="en-US"/>
           </a:p>
@@ -4207,7 +4198,7 @@
             <a:fld id="{27614144-4746-4333-8784-E53BDB877400}" type="datetimeFigureOut">
               <a:rPr lang="en-US" smtClean="0"/>
               <a:pPr/>
-              <a:t>11/5/2008</a:t>
+              <a:t>11/7/2008</a:t>
             </a:fld>
             <a:endParaRPr lang="en-US"/>
           </a:p>
@@ -4299,7 +4290,7 @@
             <a:fld id="{27614144-4746-4333-8784-E53BDB877400}" type="datetimeFigureOut">
               <a:rPr lang="en-US" smtClean="0"/>
               <a:pPr/>
-              <a:t>11/5/2008</a:t>
+              <a:t>11/7/2008</a:t>
             </a:fld>
             <a:endParaRPr lang="en-US"/>
           </a:p>
@@ -4818,7 +4809,7 @@
             <a:fld id="{27614144-4746-4333-8784-E53BDB877400}" type="datetimeFigureOut">
               <a:rPr lang="en-US" smtClean="0"/>
               <a:pPr/>
-              <a:t>11/5/2008</a:t>
+              <a:t>11/7/2008</a:t>
             </a:fld>
             <a:endParaRPr lang="en-US"/>
           </a:p>
@@ -5331,7 +5322,7 @@
             <a:fld id="{27614144-4746-4333-8784-E53BDB877400}" type="datetimeFigureOut">
               <a:rPr lang="en-US" smtClean="0"/>
               <a:pPr/>
-              <a:t>11/5/2008</a:t>
+              <a:t>11/7/2008</a:t>
             </a:fld>
             <a:endParaRPr lang="en-US"/>
           </a:p>
@@ -5578,7 +5569,7 @@
             <a:fld id="{27614144-4746-4333-8784-E53BDB877400}" type="datetimeFigureOut">
               <a:rPr lang="en-US" smtClean="0"/>
               <a:pPr/>
-              <a:t>11/5/2008</a:t>
+              <a:t>11/7/2008</a:t>
             </a:fld>
             <a:endParaRPr lang="en-US"/>
           </a:p>
@@ -7300,7 +7291,46 @@
       </p:grpSpPr>
       <p:sp>
         <p:nvSpPr>
-          <p:cNvPr id="3" name="Содержимое 2"/>
+          <p:cNvPr id="4" name="Заголовок 1"/>
+          <p:cNvSpPr>
+            <a:spLocks noGrp="1"/>
+          </p:cNvSpPr>
+          <p:nvPr>
+            <p:ph type="title"/>
+          </p:nvPr>
+        </p:nvSpPr>
+        <p:spPr>
+          <a:xfrm>
+            <a:off x="457200" y="274638"/>
+            <a:ext cx="7467600" cy="1143000"/>
+          </a:xfrm>
+        </p:spPr>
+        <p:txBody>
+          <a:bodyPr/>
+          <a:lstStyle/>
+          <a:p>
+            <a:r>
+              <a:rPr lang="ru-RU" dirty="0" smtClean="0"/>
+              <a:t>Пример</a:t>
+            </a:r>
+            <a:br>
+              <a:rPr lang="ru-RU" dirty="0" smtClean="0"/>
+            </a:br>
+            <a:r>
+              <a:rPr lang="ru-RU" dirty="0" smtClean="0"/>
+              <a:t>Проект – </a:t>
+            </a:r>
+            <a:r>
+              <a:rPr lang="en-US" dirty="0" err="1" smtClean="0"/>
+              <a:t>ApplyNinject</a:t>
+            </a:r>
+            <a:endParaRPr lang="en-US" dirty="0"/>
+          </a:p>
+        </p:txBody>
+      </p:sp>
+      <p:sp>
+        <p:nvSpPr>
+          <p:cNvPr id="5" name="Содержимое 2"/>
           <p:cNvSpPr>
             <a:spLocks noGrp="1"/>
           </p:cNvSpPr>
@@ -7310,15 +7340,23 @@
         </p:nvSpPr>
         <p:spPr>
           <a:xfrm>
-            <a:off x="457200" y="304800"/>
-            <a:ext cx="7467600" cy="6169152"/>
+            <a:off x="457200" y="1600200"/>
+            <a:ext cx="7467600" cy="4873752"/>
           </a:xfrm>
         </p:spPr>
         <p:txBody>
           <a:bodyPr/>
           <a:lstStyle/>
           <a:p>
-            <a:endParaRPr lang="ru-RU" dirty="0"/>
+            <a:r>
+              <a:rPr lang="ru-RU" dirty="0" smtClean="0"/>
+              <a:t>Использование готового решени</a:t>
+            </a:r>
+            <a:r>
+              <a:rPr lang="ru-RU" dirty="0" smtClean="0"/>
+              <a:t>я</a:t>
+            </a:r>
+            <a:endParaRPr lang="en-US" dirty="0"/>
           </a:p>
         </p:txBody>
       </p:sp>
@@ -8097,11 +8135,7 @@
             </a:pPr>
             <a:r>
               <a:rPr lang="ru-RU" dirty="0" smtClean="0"/>
-              <a:t>Скрывание </a:t>
-            </a:r>
-            <a:r>
-              <a:rPr lang="ru-RU" dirty="0" smtClean="0"/>
-              <a:t>сеттеров</a:t>
+              <a:t>Скрывание сеттеров</a:t>
             </a:r>
             <a:endParaRPr lang="en-US" dirty="0" smtClean="0"/>
           </a:p>
@@ -8152,11 +8186,7 @@
             </a:pPr>
             <a:r>
               <a:rPr lang="ru-RU" dirty="0" smtClean="0"/>
-              <a:t>Кто-то выставляет </a:t>
-            </a:r>
-            <a:r>
-              <a:rPr lang="ru-RU" dirty="0" smtClean="0"/>
-              <a:t>зависимость</a:t>
+              <a:t>Кто-то выставляет зависимость</a:t>
             </a:r>
             <a:endParaRPr lang="en-US" dirty="0" smtClean="0"/>
           </a:p>
@@ -8245,11 +8275,7 @@
           <a:p>
             <a:r>
               <a:rPr lang="ru-RU" dirty="0" smtClean="0"/>
-              <a:t>Применяем </a:t>
-            </a:r>
-            <a:r>
-              <a:rPr lang="ru-RU" dirty="0" smtClean="0"/>
-              <a:t>принцип </a:t>
+              <a:t>Применяем принцип </a:t>
             </a:r>
             <a:r>
               <a:rPr lang="en-US" dirty="0" smtClean="0"/>
